--- a/Proposal Presentation.pptx
+++ b/Proposal Presentation.pptx
@@ -5,7 +5,7 @@
     <p:sldMasterId id="2147483659" r:id="rId1"/>
   </p:sldMasterIdLst>
   <p:notesMasterIdLst>
-    <p:notesMasterId r:id="rId14"/>
+    <p:notesMasterId r:id="rId15"/>
   </p:notesMasterIdLst>
   <p:sldIdLst>
     <p:sldId id="256" r:id="rId2"/>
@@ -18,27 +18,28 @@
     <p:sldId id="262" r:id="rId9"/>
     <p:sldId id="298" r:id="rId10"/>
     <p:sldId id="301" r:id="rId11"/>
-    <p:sldId id="300" r:id="rId12"/>
-    <p:sldId id="278" r:id="rId13"/>
+    <p:sldId id="303" r:id="rId12"/>
+    <p:sldId id="300" r:id="rId13"/>
+    <p:sldId id="278" r:id="rId14"/>
   </p:sldIdLst>
   <p:sldSz cx="9144000" cy="5143500" type="screen16x9"/>
   <p:notesSz cx="6858000" cy="9144000"/>
   <p:embeddedFontLst>
     <p:embeddedFont>
-      <p:font typeface="Arial Rounded MT Bold" panose="020F0704030504030204" pitchFamily="34" charset="0"/>
-      <p:regular r:id="rId15"/>
+      <p:font typeface="Source Sans Pro" panose="020B0604020202020204" charset="0"/>
+      <p:regular r:id="rId16"/>
+      <p:bold r:id="rId17"/>
+      <p:italic r:id="rId18"/>
+      <p:boldItalic r:id="rId19"/>
     </p:embeddedFont>
     <p:embeddedFont>
-      <p:font typeface="Oswald" panose="00000500000000000000" pitchFamily="2" charset="0"/>
-      <p:regular r:id="rId16"/>
-      <p:bold r:id="rId17"/>
+      <p:font typeface="Oswald" panose="020B0604020202020204" charset="0"/>
+      <p:regular r:id="rId20"/>
+      <p:bold r:id="rId21"/>
     </p:embeddedFont>
     <p:embeddedFont>
-      <p:font typeface="Source Sans Pro" panose="020B0503030403020204" pitchFamily="34" charset="0"/>
-      <p:regular r:id="rId18"/>
-      <p:bold r:id="rId19"/>
-      <p:italic r:id="rId20"/>
-      <p:boldItalic r:id="rId21"/>
+      <p:font typeface="Arial Rounded MT Bold" panose="020F0704030504030204" pitchFamily="34" charset="0"/>
+      <p:regular r:id="rId22"/>
     </p:embeddedFont>
   </p:embeddedFontLst>
   <p:defaultTextStyle>
@@ -11937,6 +11938,393 @@
             <p:ph type="title"/>
           </p:nvPr>
         </p:nvSpPr>
+        <p:spPr/>
+        <p:txBody>
+          <a:bodyPr/>
+          <a:lstStyle/>
+          <a:p>
+            <a:r>
+              <a:rPr lang="en-US" dirty="0" smtClean="0"/>
+              <a:t>Roles and Responsibilities</a:t>
+            </a:r>
+            <a:endParaRPr lang="en-US" dirty="0"/>
+          </a:p>
+        </p:txBody>
+      </p:sp>
+      <p:sp>
+        <p:nvSpPr>
+          <p:cNvPr id="3" name="Text Placeholder 2"/>
+          <p:cNvSpPr>
+            <a:spLocks noGrp="1"/>
+          </p:cNvSpPr>
+          <p:nvPr>
+            <p:ph type="body" idx="1"/>
+          </p:nvPr>
+        </p:nvSpPr>
+        <p:spPr>
+          <a:xfrm>
+            <a:off x="1075850" y="1540175"/>
+            <a:ext cx="6996600" cy="2317122"/>
+          </a:xfrm>
+        </p:spPr>
+        <p:txBody>
+          <a:bodyPr/>
+          <a:lstStyle/>
+          <a:p>
+            <a:pPr marL="101600" indent="0">
+              <a:buNone/>
+            </a:pPr>
+            <a:r>
+              <a:rPr lang="en-US" sz="1400" dirty="0" smtClean="0"/>
+              <a:t>We primarily plan to work in following manner:</a:t>
+            </a:r>
+            <a:endParaRPr lang="en-US" sz="1400" dirty="0"/>
+          </a:p>
+        </p:txBody>
+      </p:sp>
+      <p:sp>
+        <p:nvSpPr>
+          <p:cNvPr id="4" name="Slide Number Placeholder 3"/>
+          <p:cNvSpPr>
+            <a:spLocks noGrp="1"/>
+          </p:cNvSpPr>
+          <p:nvPr>
+            <p:ph type="sldNum" idx="12"/>
+          </p:nvPr>
+        </p:nvSpPr>
+        <p:spPr/>
+        <p:txBody>
+          <a:bodyPr/>
+          <a:lstStyle/>
+          <a:p>
+            <a:pPr marL="0" lvl="0" indent="0" algn="r" rtl="0">
+              <a:spcBef>
+                <a:spcPts val="0"/>
+              </a:spcBef>
+              <a:spcAft>
+                <a:spcPts val="0"/>
+              </a:spcAft>
+              <a:buNone/>
+            </a:pPr>
+            <a:fld id="{00000000-1234-1234-1234-123412341234}" type="slidenum">
+              <a:rPr lang="en" smtClean="0"/>
+              <a:t>11</a:t>
+            </a:fld>
+            <a:endParaRPr lang="en"/>
+          </a:p>
+        </p:txBody>
+      </p:sp>
+      <p:graphicFrame>
+        <p:nvGraphicFramePr>
+          <p:cNvPr id="6" name="Table 5"/>
+          <p:cNvGraphicFramePr>
+            <a:graphicFrameLocks noGrp="1"/>
+          </p:cNvGraphicFramePr>
+          <p:nvPr>
+            <p:extLst/>
+          </p:nvPr>
+        </p:nvGraphicFramePr>
+        <p:xfrm>
+          <a:off x="1526150" y="2237171"/>
+          <a:ext cx="6096000" cy="1630680"/>
+        </p:xfrm>
+        <a:graphic>
+          <a:graphicData uri="http://schemas.openxmlformats.org/drawingml/2006/table">
+            <a:tbl>
+              <a:tblPr firstRow="1" bandRow="1">
+                <a:tableStyleId>{891A1956-3D7E-41C0-9DF7-105A978C6925}</a:tableStyleId>
+              </a:tblPr>
+              <a:tblGrid>
+                <a:gridCol w="2032000">
+                  <a:extLst>
+                    <a:ext uri="{9D8B030D-6E8A-4147-A177-3AD203B41FA5}">
+                      <a16:colId xmlns:a16="http://schemas.microsoft.com/office/drawing/2014/main" val="995001183"/>
+                    </a:ext>
+                  </a:extLst>
+                </a:gridCol>
+                <a:gridCol w="2032000">
+                  <a:extLst>
+                    <a:ext uri="{9D8B030D-6E8A-4147-A177-3AD203B41FA5}">
+                      <a16:colId xmlns:a16="http://schemas.microsoft.com/office/drawing/2014/main" val="2171510488"/>
+                    </a:ext>
+                  </a:extLst>
+                </a:gridCol>
+                <a:gridCol w="2032000">
+                  <a:extLst>
+                    <a:ext uri="{9D8B030D-6E8A-4147-A177-3AD203B41FA5}">
+                      <a16:colId xmlns:a16="http://schemas.microsoft.com/office/drawing/2014/main" val="3035049945"/>
+                    </a:ext>
+                  </a:extLst>
+                </a:gridCol>
+              </a:tblGrid>
+              <a:tr h="370840">
+                <a:tc>
+                  <a:txBody>
+                    <a:bodyPr/>
+                    <a:lstStyle/>
+                    <a:p>
+                      <a:pPr algn="ctr"/>
+                      <a:r>
+                        <a:rPr lang="en-US" dirty="0" err="1" smtClean="0"/>
+                        <a:t>Ifad</a:t>
+                      </a:r>
+                      <a:endParaRPr lang="en-US" dirty="0"/>
+                    </a:p>
+                  </a:txBody>
+                  <a:tcPr/>
+                </a:tc>
+                <a:tc>
+                  <a:txBody>
+                    <a:bodyPr/>
+                    <a:lstStyle/>
+                    <a:p>
+                      <a:pPr algn="ctr"/>
+                      <a:r>
+                        <a:rPr lang="en-US" dirty="0" smtClean="0"/>
+                        <a:t>Kamran</a:t>
+                      </a:r>
+                      <a:endParaRPr lang="en-US" dirty="0"/>
+                    </a:p>
+                  </a:txBody>
+                  <a:tcPr/>
+                </a:tc>
+                <a:tc>
+                  <a:txBody>
+                    <a:bodyPr/>
+                    <a:lstStyle/>
+                    <a:p>
+                      <a:pPr algn="ctr"/>
+                      <a:r>
+                        <a:rPr lang="en-US" dirty="0" err="1" smtClean="0"/>
+                        <a:t>Hasib</a:t>
+                      </a:r>
+                      <a:endParaRPr lang="en-US" dirty="0"/>
+                    </a:p>
+                  </a:txBody>
+                  <a:tcPr/>
+                </a:tc>
+                <a:extLst>
+                  <a:ext uri="{0D108BD9-81ED-4DB2-BD59-A6C34878D82A}">
+                    <a16:rowId xmlns:a16="http://schemas.microsoft.com/office/drawing/2014/main" val="632963596"/>
+                  </a:ext>
+                </a:extLst>
+              </a:tr>
+              <a:tr h="370840">
+                <a:tc>
+                  <a:txBody>
+                    <a:bodyPr/>
+                    <a:lstStyle/>
+                    <a:p>
+                      <a:pPr algn="ctr"/>
+                      <a:r>
+                        <a:rPr lang="en-US" dirty="0" smtClean="0"/>
+                        <a:t>Chat</a:t>
+                      </a:r>
+                      <a:endParaRPr lang="en-US" dirty="0"/>
+                    </a:p>
+                  </a:txBody>
+                  <a:tcPr/>
+                </a:tc>
+                <a:tc>
+                  <a:txBody>
+                    <a:bodyPr/>
+                    <a:lstStyle/>
+                    <a:p>
+                      <a:pPr algn="ctr"/>
+                      <a:r>
+                        <a:rPr lang="en-US" dirty="0" smtClean="0"/>
+                        <a:t>Live</a:t>
+                      </a:r>
+                      <a:r>
+                        <a:rPr lang="en-US" baseline="0" dirty="0" smtClean="0"/>
+                        <a:t> location sharing</a:t>
+                      </a:r>
+                      <a:endParaRPr lang="en-US" dirty="0"/>
+                    </a:p>
+                  </a:txBody>
+                  <a:tcPr/>
+                </a:tc>
+                <a:tc>
+                  <a:txBody>
+                    <a:bodyPr/>
+                    <a:lstStyle/>
+                    <a:p>
+                      <a:pPr algn="ctr"/>
+                      <a:r>
+                        <a:rPr lang="en-US" dirty="0" smtClean="0"/>
+                        <a:t>Doc</a:t>
+                      </a:r>
+                      <a:r>
+                        <a:rPr lang="en-US" baseline="0" dirty="0" smtClean="0"/>
+                        <a:t> storage hub</a:t>
+                      </a:r>
+                      <a:endParaRPr lang="en-US" dirty="0"/>
+                    </a:p>
+                  </a:txBody>
+                  <a:tcPr/>
+                </a:tc>
+                <a:extLst>
+                  <a:ext uri="{0D108BD9-81ED-4DB2-BD59-A6C34878D82A}">
+                    <a16:rowId xmlns:a16="http://schemas.microsoft.com/office/drawing/2014/main" val="1089444021"/>
+                  </a:ext>
+                </a:extLst>
+              </a:tr>
+              <a:tr h="370840">
+                <a:tc>
+                  <a:txBody>
+                    <a:bodyPr/>
+                    <a:lstStyle/>
+                    <a:p>
+                      <a:pPr algn="ctr"/>
+                      <a:r>
+                        <a:rPr lang="en-US" dirty="0" smtClean="0"/>
+                        <a:t>To-Do tasks</a:t>
+                      </a:r>
+                      <a:endParaRPr lang="en-US" dirty="0"/>
+                    </a:p>
+                  </a:txBody>
+                  <a:tcPr/>
+                </a:tc>
+                <a:tc>
+                  <a:txBody>
+                    <a:bodyPr/>
+                    <a:lstStyle/>
+                    <a:p>
+                      <a:pPr algn="ctr"/>
+                      <a:r>
+                        <a:rPr lang="en-US" dirty="0" smtClean="0"/>
+                        <a:t>Last</a:t>
+                      </a:r>
+                      <a:r>
+                        <a:rPr lang="en-US" baseline="0" dirty="0" smtClean="0"/>
+                        <a:t> active status</a:t>
+                      </a:r>
+                      <a:endParaRPr lang="en-US" dirty="0"/>
+                    </a:p>
+                  </a:txBody>
+                  <a:tcPr/>
+                </a:tc>
+                <a:tc>
+                  <a:txBody>
+                    <a:bodyPr/>
+                    <a:lstStyle/>
+                    <a:p>
+                      <a:pPr algn="ctr"/>
+                      <a:r>
+                        <a:rPr lang="en-US" dirty="0" smtClean="0"/>
+                        <a:t>Alert system</a:t>
+                      </a:r>
+                      <a:endParaRPr lang="en-US" dirty="0"/>
+                    </a:p>
+                  </a:txBody>
+                  <a:tcPr/>
+                </a:tc>
+                <a:extLst>
+                  <a:ext uri="{0D108BD9-81ED-4DB2-BD59-A6C34878D82A}">
+                    <a16:rowId xmlns:a16="http://schemas.microsoft.com/office/drawing/2014/main" val="2795128556"/>
+                  </a:ext>
+                </a:extLst>
+              </a:tr>
+              <a:tr h="370840">
+                <a:tc>
+                  <a:txBody>
+                    <a:bodyPr/>
+                    <a:lstStyle/>
+                    <a:p>
+                      <a:pPr algn="ctr"/>
+                      <a:r>
+                        <a:rPr lang="en-US" dirty="0" smtClean="0"/>
+                        <a:t>Database design</a:t>
+                      </a:r>
+                      <a:endParaRPr lang="en-US" dirty="0"/>
+                    </a:p>
+                  </a:txBody>
+                  <a:tcPr/>
+                </a:tc>
+                <a:tc>
+                  <a:txBody>
+                    <a:bodyPr/>
+                    <a:lstStyle/>
+                    <a:p>
+                      <a:pPr algn="ctr"/>
+                      <a:r>
+                        <a:rPr lang="en-US" dirty="0" smtClean="0"/>
+                        <a:t>Front-end design</a:t>
+                      </a:r>
+                      <a:endParaRPr lang="en-US" dirty="0"/>
+                    </a:p>
+                  </a:txBody>
+                  <a:tcPr/>
+                </a:tc>
+                <a:tc>
+                  <a:txBody>
+                    <a:bodyPr/>
+                    <a:lstStyle/>
+                    <a:p>
+                      <a:pPr algn="ctr"/>
+                      <a:r>
+                        <a:rPr lang="en-US" dirty="0" smtClean="0"/>
+                        <a:t>Backend</a:t>
+                      </a:r>
+                      <a:r>
+                        <a:rPr lang="en-US" baseline="0" dirty="0" smtClean="0"/>
+                        <a:t> co-ordination &amp; Emergency services</a:t>
+                      </a:r>
+                      <a:endParaRPr lang="en-US" dirty="0"/>
+                    </a:p>
+                  </a:txBody>
+                  <a:tcPr/>
+                </a:tc>
+                <a:extLst>
+                  <a:ext uri="{0D108BD9-81ED-4DB2-BD59-A6C34878D82A}">
+                    <a16:rowId xmlns:a16="http://schemas.microsoft.com/office/drawing/2014/main" val="3495327313"/>
+                  </a:ext>
+                </a:extLst>
+              </a:tr>
+            </a:tbl>
+          </a:graphicData>
+        </a:graphic>
+      </p:graphicFrame>
+    </p:spTree>
+    <p:extLst>
+      <p:ext uri="{BB962C8B-B14F-4D97-AF65-F5344CB8AC3E}">
+        <p14:creationId xmlns:p14="http://schemas.microsoft.com/office/powerpoint/2010/main" val="2679679383"/>
+      </p:ext>
+    </p:extLst>
+  </p:cSld>
+  <p:clrMapOvr>
+    <a:masterClrMapping/>
+  </p:clrMapOvr>
+</p:sld>
+</file>
+
+<file path=ppt/slides/slide12.xml><?xml version="1.0" encoding="utf-8"?>
+<p:sld xmlns:a="http://schemas.openxmlformats.org/drawingml/2006/main" xmlns:r="http://schemas.openxmlformats.org/officeDocument/2006/relationships" xmlns:p="http://schemas.openxmlformats.org/presentationml/2006/main">
+  <p:cSld>
+    <p:spTree>
+      <p:nvGrpSpPr>
+        <p:cNvPr id="1" name=""/>
+        <p:cNvGrpSpPr/>
+        <p:nvPr/>
+      </p:nvGrpSpPr>
+      <p:grpSpPr>
+        <a:xfrm>
+          <a:off x="0" y="0"/>
+          <a:ext cx="0" cy="0"/>
+          <a:chOff x="0" y="0"/>
+          <a:chExt cx="0" cy="0"/>
+        </a:xfrm>
+      </p:grpSpPr>
+      <p:sp>
+        <p:nvSpPr>
+          <p:cNvPr id="2" name="Title 1"/>
+          <p:cNvSpPr>
+            <a:spLocks noGrp="1"/>
+          </p:cNvSpPr>
+          <p:nvPr>
+            <p:ph type="title"/>
+          </p:nvPr>
+        </p:nvSpPr>
         <p:spPr>
           <a:xfrm>
             <a:off x="1075850" y="376622"/>
@@ -12108,7 +12496,7 @@
             </a:pPr>
             <a:fld id="{00000000-1234-1234-1234-123412341234}" type="slidenum">
               <a:rPr lang="en" smtClean="0"/>
-              <a:t>11</a:t>
+              <a:t>12</a:t>
             </a:fld>
             <a:endParaRPr lang="en"/>
           </a:p>
@@ -12127,7 +12515,7 @@
 </p:sld>
 </file>
 
-<file path=ppt/slides/slide12.xml><?xml version="1.0" encoding="utf-8"?>
+<file path=ppt/slides/slide13.xml><?xml version="1.0" encoding="utf-8"?>
 <p:sld xmlns:a="http://schemas.openxmlformats.org/drawingml/2006/main" xmlns:r="http://schemas.openxmlformats.org/officeDocument/2006/relationships" xmlns:p="http://schemas.openxmlformats.org/presentationml/2006/main">
   <p:cSld>
     <p:spTree>
@@ -12276,7 +12664,7 @@
             </a:pPr>
             <a:fld id="{00000000-1234-1234-1234-123412341234}" type="slidenum">
               <a:rPr lang="en"/>
-              <a:t>12</a:t>
+              <a:t>13</a:t>
             </a:fld>
             <a:endParaRPr/>
           </a:p>
